--- a/Documents/PracticePresentation.pptx
+++ b/Documents/PracticePresentation.pptx
@@ -7678,15 +7678,16 @@
             <p:ph type="title"/>
           </p:nvPr>
         </p:nvSpPr>
-        <p:spPr/>
+        <p:spPr>
+          <a:xfrm>
+            <a:off x="1484310" y="11485"/>
+            <a:ext cx="10018713" cy="1752599"/>
+          </a:xfrm>
+        </p:spPr>
         <p:txBody>
           <a:bodyPr/>
           <a:lstStyle/>
           <a:p>
-            <a:r>
-              <a:rPr lang="en-US" dirty="0" smtClean="0"/>
-              <a:t>Architecture of the App</a:t>
-            </a:r>
             <a:endParaRPr lang="en-US" dirty="0"/>
           </a:p>
         </p:txBody>
@@ -7706,7 +7707,7 @@
           <a:bodyPr/>
           <a:lstStyle/>
           <a:p>
-            <a:endParaRPr lang="en-US"/>
+            <a:endParaRPr lang="en-US" dirty="0"/>
           </a:p>
         </p:txBody>
       </p:sp>
@@ -7740,6 +7741,996 @@
           </a:prstGeom>
         </p:spPr>
       </p:pic>
+      <p:grpSp>
+        <p:nvGrpSpPr>
+          <p:cNvPr id="27" name="Group 26"/>
+          <p:cNvGrpSpPr/>
+          <p:nvPr/>
+        </p:nvGrpSpPr>
+        <p:grpSpPr>
+          <a:xfrm>
+            <a:off x="3657601" y="399098"/>
+            <a:ext cx="4794884" cy="5907109"/>
+            <a:chOff x="0" y="0"/>
+            <a:chExt cx="4713051" cy="6060332"/>
+          </a:xfrm>
+        </p:grpSpPr>
+        <p:sp>
+          <p:nvSpPr>
+            <p:cNvPr id="28" name="Trapezoid 27"/>
+            <p:cNvSpPr/>
+            <p:nvPr/>
+          </p:nvSpPr>
+          <p:spPr>
+            <a:xfrm>
+              <a:off x="1566153" y="2743200"/>
+              <a:ext cx="1371600" cy="457200"/>
+            </a:xfrm>
+            <a:prstGeom prst="trapezoid">
+              <a:avLst/>
+            </a:prstGeom>
+          </p:spPr>
+          <p:style>
+            <a:lnRef idx="2">
+              <a:schemeClr val="accent1">
+                <a:shade val="50000"/>
+              </a:schemeClr>
+            </a:lnRef>
+            <a:fillRef idx="1">
+              <a:schemeClr val="accent1"/>
+            </a:fillRef>
+            <a:effectRef idx="0">
+              <a:schemeClr val="accent1"/>
+            </a:effectRef>
+            <a:fontRef idx="minor">
+              <a:schemeClr val="lt1"/>
+            </a:fontRef>
+          </p:style>
+          <p:txBody>
+            <a:bodyPr rot="0" spcFirstLastPara="0" vert="horz" wrap="square" lIns="91440" tIns="45720" rIns="91440" bIns="45720" numCol="1" spcCol="0" rtlCol="0" fromWordArt="0" anchor="ctr" anchorCtr="0" forceAA="0" compatLnSpc="1">
+              <a:prstTxWarp prst="textNoShape">
+                <a:avLst/>
+              </a:prstTxWarp>
+              <a:noAutofit/>
+            </a:bodyPr>
+            <a:lstStyle/>
+            <a:p>
+              <a:endParaRPr lang="en-US"/>
+            </a:p>
+          </p:txBody>
+        </p:sp>
+        <p:sp>
+          <p:nvSpPr>
+            <p:cNvPr id="29" name="Rounded Rectangle 28"/>
+            <p:cNvSpPr/>
+            <p:nvPr/>
+          </p:nvSpPr>
+          <p:spPr>
+            <a:xfrm>
+              <a:off x="3570051" y="1624519"/>
+              <a:ext cx="1143000" cy="342900"/>
+            </a:xfrm>
+            <a:prstGeom prst="roundRect">
+              <a:avLst/>
+            </a:prstGeom>
+          </p:spPr>
+          <p:style>
+            <a:lnRef idx="2">
+              <a:schemeClr val="accent1">
+                <a:shade val="50000"/>
+              </a:schemeClr>
+            </a:lnRef>
+            <a:fillRef idx="1">
+              <a:schemeClr val="accent1"/>
+            </a:fillRef>
+            <a:effectRef idx="0">
+              <a:schemeClr val="accent1"/>
+            </a:effectRef>
+            <a:fontRef idx="minor">
+              <a:schemeClr val="lt1"/>
+            </a:fontRef>
+          </p:style>
+          <p:txBody>
+            <a:bodyPr rot="0" spcFirstLastPara="0" vert="horz" wrap="square" lIns="91440" tIns="45720" rIns="91440" bIns="45720" numCol="1" spcCol="0" rtlCol="0" fromWordArt="0" anchor="ctr" anchorCtr="0" forceAA="0" compatLnSpc="1">
+              <a:prstTxWarp prst="textNoShape">
+                <a:avLst/>
+              </a:prstTxWarp>
+              <a:noAutofit/>
+            </a:bodyPr>
+            <a:lstStyle/>
+            <a:p>
+              <a:endParaRPr lang="en-US"/>
+            </a:p>
+          </p:txBody>
+        </p:sp>
+        <p:sp>
+          <p:nvSpPr>
+            <p:cNvPr id="30" name="Rounded Rectangle 29"/>
+            <p:cNvSpPr/>
+            <p:nvPr/>
+          </p:nvSpPr>
+          <p:spPr>
+            <a:xfrm>
+              <a:off x="1770434" y="1760706"/>
+              <a:ext cx="914400" cy="342900"/>
+            </a:xfrm>
+            <a:prstGeom prst="roundRect">
+              <a:avLst/>
+            </a:prstGeom>
+          </p:spPr>
+          <p:style>
+            <a:lnRef idx="2">
+              <a:schemeClr val="accent1">
+                <a:shade val="50000"/>
+              </a:schemeClr>
+            </a:lnRef>
+            <a:fillRef idx="1">
+              <a:schemeClr val="accent1"/>
+            </a:fillRef>
+            <a:effectRef idx="0">
+              <a:schemeClr val="accent1"/>
+            </a:effectRef>
+            <a:fontRef idx="minor">
+              <a:schemeClr val="lt1"/>
+            </a:fontRef>
+          </p:style>
+          <p:txBody>
+            <a:bodyPr rot="0" spcFirstLastPara="0" vert="horz" wrap="square" lIns="91440" tIns="45720" rIns="91440" bIns="45720" numCol="1" spcCol="0" rtlCol="0" fromWordArt="0" anchor="ctr" anchorCtr="0" forceAA="0" compatLnSpc="1">
+              <a:prstTxWarp prst="textNoShape">
+                <a:avLst/>
+              </a:prstTxWarp>
+              <a:noAutofit/>
+            </a:bodyPr>
+            <a:lstStyle/>
+            <a:p>
+              <a:endParaRPr lang="en-US"/>
+            </a:p>
+          </p:txBody>
+        </p:sp>
+        <p:sp>
+          <p:nvSpPr>
+            <p:cNvPr id="31" name="Rounded Rectangle 30"/>
+            <p:cNvSpPr/>
+            <p:nvPr/>
+          </p:nvSpPr>
+          <p:spPr>
+            <a:xfrm>
+              <a:off x="0" y="1634247"/>
+              <a:ext cx="1030605" cy="330200"/>
+            </a:xfrm>
+            <a:prstGeom prst="roundRect">
+              <a:avLst/>
+            </a:prstGeom>
+          </p:spPr>
+          <p:style>
+            <a:lnRef idx="2">
+              <a:schemeClr val="accent1">
+                <a:shade val="50000"/>
+              </a:schemeClr>
+            </a:lnRef>
+            <a:fillRef idx="1">
+              <a:schemeClr val="accent1"/>
+            </a:fillRef>
+            <a:effectRef idx="0">
+              <a:schemeClr val="accent1"/>
+            </a:effectRef>
+            <a:fontRef idx="minor">
+              <a:schemeClr val="lt1"/>
+            </a:fontRef>
+          </p:style>
+          <p:txBody>
+            <a:bodyPr rot="0" spcFirstLastPara="0" vert="horz" wrap="square" lIns="91440" tIns="45720" rIns="91440" bIns="45720" numCol="1" spcCol="0" rtlCol="0" fromWordArt="0" anchor="ctr" anchorCtr="0" forceAA="0" compatLnSpc="1">
+              <a:prstTxWarp prst="textNoShape">
+                <a:avLst/>
+              </a:prstTxWarp>
+              <a:noAutofit/>
+            </a:bodyPr>
+            <a:lstStyle/>
+            <a:p>
+              <a:endParaRPr lang="en-US"/>
+            </a:p>
+          </p:txBody>
+        </p:sp>
+        <p:sp>
+          <p:nvSpPr>
+            <p:cNvPr id="32" name="Can 31"/>
+            <p:cNvSpPr/>
+            <p:nvPr/>
+          </p:nvSpPr>
+          <p:spPr>
+            <a:xfrm>
+              <a:off x="1643975" y="3725694"/>
+              <a:ext cx="1292225" cy="571500"/>
+            </a:xfrm>
+            <a:prstGeom prst="can">
+              <a:avLst/>
+            </a:prstGeom>
+          </p:spPr>
+          <p:style>
+            <a:lnRef idx="2">
+              <a:schemeClr val="accent1">
+                <a:shade val="50000"/>
+              </a:schemeClr>
+            </a:lnRef>
+            <a:fillRef idx="1">
+              <a:schemeClr val="accent1"/>
+            </a:fillRef>
+            <a:effectRef idx="0">
+              <a:schemeClr val="accent1"/>
+            </a:effectRef>
+            <a:fontRef idx="minor">
+              <a:schemeClr val="lt1"/>
+            </a:fontRef>
+          </p:style>
+          <p:txBody>
+            <a:bodyPr rot="0" spcFirstLastPara="0" vert="horz" wrap="square" lIns="91440" tIns="45720" rIns="91440" bIns="45720" numCol="1" spcCol="0" rtlCol="0" fromWordArt="0" anchor="ctr" anchorCtr="0" forceAA="0" compatLnSpc="1">
+              <a:prstTxWarp prst="textNoShape">
+                <a:avLst/>
+              </a:prstTxWarp>
+              <a:noAutofit/>
+            </a:bodyPr>
+            <a:lstStyle/>
+            <a:p>
+              <a:endParaRPr lang="en-US"/>
+            </a:p>
+          </p:txBody>
+        </p:sp>
+        <p:pic>
+          <p:nvPicPr>
+            <p:cNvPr id="33" name="Picture 32"/>
+            <p:cNvPicPr>
+              <a:picLocks noChangeAspect="1"/>
+            </p:cNvPicPr>
+            <p:nvPr/>
+          </p:nvPicPr>
+          <p:blipFill>
+            <a:blip r:embed="rId4" cstate="print">
+              <a:extLst>
+                <a:ext uri="{28A0092B-C50C-407E-A947-70E740481C1C}">
+                  <a14:useLocalDpi xmlns:a14="http://schemas.microsoft.com/office/drawing/2010/main" val="0"/>
+                </a:ext>
+              </a:extLst>
+            </a:blip>
+            <a:stretch>
+              <a:fillRect/>
+            </a:stretch>
+          </p:blipFill>
+          <p:spPr>
+            <a:xfrm>
+              <a:off x="1420239" y="0"/>
+              <a:ext cx="1613535" cy="1183005"/>
+            </a:xfrm>
+            <a:prstGeom prst="rect">
+              <a:avLst/>
+            </a:prstGeom>
+          </p:spPr>
+        </p:pic>
+        <p:cxnSp>
+          <p:nvCxnSpPr>
+            <p:cNvPr id="34" name="Straight Arrow Connector 33"/>
+            <p:cNvCxnSpPr/>
+            <p:nvPr/>
+          </p:nvCxnSpPr>
+          <p:spPr>
+            <a:xfrm flipH="1">
+              <a:off x="875490" y="1264596"/>
+              <a:ext cx="463536" cy="338144"/>
+            </a:xfrm>
+            <a:prstGeom prst="straightConnector1">
+              <a:avLst/>
+            </a:prstGeom>
+            <a:ln>
+              <a:tailEnd type="triangle"/>
+            </a:ln>
+          </p:spPr>
+          <p:style>
+            <a:lnRef idx="1">
+              <a:schemeClr val="accent1"/>
+            </a:lnRef>
+            <a:fillRef idx="0">
+              <a:schemeClr val="accent1"/>
+            </a:fillRef>
+            <a:effectRef idx="0">
+              <a:schemeClr val="accent1"/>
+            </a:effectRef>
+            <a:fontRef idx="minor">
+              <a:schemeClr val="tx1"/>
+            </a:fontRef>
+          </p:style>
+        </p:cxnSp>
+        <p:cxnSp>
+          <p:nvCxnSpPr>
+            <p:cNvPr id="35" name="Straight Arrow Connector 34"/>
+            <p:cNvCxnSpPr/>
+            <p:nvPr/>
+          </p:nvCxnSpPr>
+          <p:spPr>
+            <a:xfrm>
+              <a:off x="3054485" y="1196502"/>
+              <a:ext cx="567812" cy="406238"/>
+            </a:xfrm>
+            <a:prstGeom prst="straightConnector1">
+              <a:avLst/>
+            </a:prstGeom>
+            <a:ln>
+              <a:tailEnd type="triangle"/>
+            </a:ln>
+          </p:spPr>
+          <p:style>
+            <a:lnRef idx="1">
+              <a:schemeClr val="accent1"/>
+            </a:lnRef>
+            <a:fillRef idx="0">
+              <a:schemeClr val="accent1"/>
+            </a:fillRef>
+            <a:effectRef idx="0">
+              <a:schemeClr val="accent1"/>
+            </a:effectRef>
+            <a:fontRef idx="minor">
+              <a:schemeClr val="tx1"/>
+            </a:fontRef>
+          </p:style>
+        </p:cxnSp>
+        <p:sp>
+          <p:nvSpPr>
+            <p:cNvPr id="36" name="Text Box 6"/>
+            <p:cNvSpPr txBox="1"/>
+            <p:nvPr/>
+          </p:nvSpPr>
+          <p:spPr>
+            <a:xfrm>
+              <a:off x="2013626" y="1789889"/>
+              <a:ext cx="470535" cy="349885"/>
+            </a:xfrm>
+            <a:prstGeom prst="rect">
+              <a:avLst/>
+            </a:prstGeom>
+            <a:noFill/>
+            <a:ln>
+              <a:noFill/>
+            </a:ln>
+            <a:effectLst/>
+          </p:spPr>
+          <p:style>
+            <a:lnRef idx="0">
+              <a:schemeClr val="accent1"/>
+            </a:lnRef>
+            <a:fillRef idx="0">
+              <a:schemeClr val="accent1"/>
+            </a:fillRef>
+            <a:effectRef idx="0">
+              <a:schemeClr val="accent1"/>
+            </a:effectRef>
+            <a:fontRef idx="minor">
+              <a:schemeClr val="dk1"/>
+            </a:fontRef>
+          </p:style>
+          <p:txBody>
+            <a:bodyPr rot="0" spcFirstLastPara="0" vert="horz" wrap="none" lIns="91440" tIns="45720" rIns="91440" bIns="45720" numCol="1" spcCol="0" rtlCol="0" fromWordArt="0" anchor="t" anchorCtr="0" forceAA="0" compatLnSpc="1">
+              <a:prstTxWarp prst="textNoShape">
+                <a:avLst/>
+              </a:prstTxWarp>
+              <a:noAutofit/>
+            </a:bodyPr>
+            <a:lstStyle/>
+            <a:p>
+              <a:pPr marL="0" marR="0">
+                <a:spcBef>
+                  <a:spcPts val="0"/>
+                </a:spcBef>
+                <a:spcAft>
+                  <a:spcPts val="0"/>
+                </a:spcAft>
+              </a:pPr>
+              <a:r>
+                <a:rPr lang="en-US" sz="1200">
+                  <a:effectLst/>
+                  <a:ea typeface="Calibri" charset="0"/>
+                  <a:cs typeface="Times New Roman" charset="0"/>
+                </a:rPr>
+                <a:t>Scan</a:t>
+              </a:r>
+            </a:p>
+          </p:txBody>
+        </p:sp>
+        <p:sp>
+          <p:nvSpPr>
+            <p:cNvPr id="37" name="Text Box 9"/>
+            <p:cNvSpPr txBox="1"/>
+            <p:nvPr/>
+          </p:nvSpPr>
+          <p:spPr>
+            <a:xfrm>
+              <a:off x="1614792" y="2840477"/>
+              <a:ext cx="1292225" cy="349885"/>
+            </a:xfrm>
+            <a:prstGeom prst="rect">
+              <a:avLst/>
+            </a:prstGeom>
+            <a:noFill/>
+            <a:ln>
+              <a:noFill/>
+            </a:ln>
+            <a:effectLst/>
+          </p:spPr>
+          <p:style>
+            <a:lnRef idx="0">
+              <a:schemeClr val="accent1"/>
+            </a:lnRef>
+            <a:fillRef idx="0">
+              <a:schemeClr val="accent1"/>
+            </a:fillRef>
+            <a:effectRef idx="0">
+              <a:schemeClr val="accent1"/>
+            </a:effectRef>
+            <a:fontRef idx="minor">
+              <a:schemeClr val="dk1"/>
+            </a:fontRef>
+          </p:style>
+          <p:txBody>
+            <a:bodyPr rot="0" spcFirstLastPara="0" vert="horz" wrap="square" lIns="91440" tIns="45720" rIns="91440" bIns="45720" numCol="1" spcCol="0" rtlCol="0" fromWordArt="0" anchor="t" anchorCtr="0" forceAA="0" compatLnSpc="1">
+              <a:prstTxWarp prst="textNoShape">
+                <a:avLst/>
+              </a:prstTxWarp>
+              <a:noAutofit/>
+            </a:bodyPr>
+            <a:lstStyle/>
+            <a:p>
+              <a:pPr marL="0" marR="0">
+                <a:spcBef>
+                  <a:spcPts val="0"/>
+                </a:spcBef>
+                <a:spcAft>
+                  <a:spcPts val="0"/>
+                </a:spcAft>
+              </a:pPr>
+              <a:r>
+                <a:rPr lang="en-US" sz="1200">
+                  <a:effectLst/>
+                  <a:ea typeface="Calibri" charset="0"/>
+                  <a:cs typeface="Times New Roman" charset="0"/>
+                </a:rPr>
+                <a:t>Google Vision API</a:t>
+              </a:r>
+            </a:p>
+          </p:txBody>
+        </p:sp>
+        <p:sp>
+          <p:nvSpPr>
+            <p:cNvPr id="38" name="Text Box 12"/>
+            <p:cNvSpPr txBox="1"/>
+            <p:nvPr/>
+          </p:nvSpPr>
+          <p:spPr>
+            <a:xfrm>
+              <a:off x="1867711" y="3891064"/>
+              <a:ext cx="762635" cy="914400"/>
+            </a:xfrm>
+            <a:prstGeom prst="rect">
+              <a:avLst/>
+            </a:prstGeom>
+            <a:noFill/>
+            <a:ln>
+              <a:noFill/>
+            </a:ln>
+            <a:effectLst/>
+          </p:spPr>
+          <p:style>
+            <a:lnRef idx="0">
+              <a:schemeClr val="accent1"/>
+            </a:lnRef>
+            <a:fillRef idx="0">
+              <a:schemeClr val="accent1"/>
+            </a:fillRef>
+            <a:effectRef idx="0">
+              <a:schemeClr val="accent1"/>
+            </a:effectRef>
+            <a:fontRef idx="minor">
+              <a:schemeClr val="dk1"/>
+            </a:fontRef>
+          </p:style>
+          <p:txBody>
+            <a:bodyPr rot="0" spcFirstLastPara="0" vert="horz" wrap="none" lIns="91440" tIns="45720" rIns="91440" bIns="45720" numCol="1" spcCol="0" rtlCol="0" fromWordArt="0" anchor="t" anchorCtr="0" forceAA="0" compatLnSpc="1">
+              <a:prstTxWarp prst="textNoShape">
+                <a:avLst/>
+              </a:prstTxWarp>
+              <a:noAutofit/>
+            </a:bodyPr>
+            <a:lstStyle/>
+            <a:p>
+              <a:pPr marL="0" marR="0">
+                <a:spcBef>
+                  <a:spcPts val="0"/>
+                </a:spcBef>
+                <a:spcAft>
+                  <a:spcPts val="0"/>
+                </a:spcAft>
+              </a:pPr>
+              <a:r>
+                <a:rPr lang="en-US" sz="1200">
+                  <a:effectLst/>
+                  <a:ea typeface="Calibri" charset="0"/>
+                  <a:cs typeface="Times New Roman" charset="0"/>
+                </a:rPr>
+                <a:t>Database</a:t>
+              </a:r>
+            </a:p>
+          </p:txBody>
+        </p:sp>
+        <p:sp>
+          <p:nvSpPr>
+            <p:cNvPr id="39" name="Text Box 16"/>
+            <p:cNvSpPr txBox="1"/>
+            <p:nvPr/>
+          </p:nvSpPr>
+          <p:spPr>
+            <a:xfrm>
+              <a:off x="116732" y="1634247"/>
+              <a:ext cx="840105" cy="914400"/>
+            </a:xfrm>
+            <a:prstGeom prst="rect">
+              <a:avLst/>
+            </a:prstGeom>
+            <a:noFill/>
+            <a:ln>
+              <a:noFill/>
+            </a:ln>
+            <a:effectLst/>
+          </p:spPr>
+          <p:style>
+            <a:lnRef idx="0">
+              <a:schemeClr val="accent1"/>
+            </a:lnRef>
+            <a:fillRef idx="0">
+              <a:schemeClr val="accent1"/>
+            </a:fillRef>
+            <a:effectRef idx="0">
+              <a:schemeClr val="accent1"/>
+            </a:effectRef>
+            <a:fontRef idx="minor">
+              <a:schemeClr val="dk1"/>
+            </a:fontRef>
+          </p:style>
+          <p:txBody>
+            <a:bodyPr rot="0" spcFirstLastPara="0" vert="horz" wrap="none" lIns="91440" tIns="45720" rIns="91440" bIns="45720" numCol="1" spcCol="0" rtlCol="0" fromWordArt="0" anchor="t" anchorCtr="0" forceAA="0" compatLnSpc="1">
+              <a:prstTxWarp prst="textNoShape">
+                <a:avLst/>
+              </a:prstTxWarp>
+              <a:noAutofit/>
+            </a:bodyPr>
+            <a:lstStyle/>
+            <a:p>
+              <a:pPr marL="0" marR="0">
+                <a:spcBef>
+                  <a:spcPts val="0"/>
+                </a:spcBef>
+                <a:spcAft>
+                  <a:spcPts val="0"/>
+                </a:spcAft>
+              </a:pPr>
+              <a:r>
+                <a:rPr lang="en-US" sz="1200" dirty="0">
+                  <a:effectLst/>
+                  <a:ea typeface="Calibri" charset="0"/>
+                  <a:cs typeface="Times New Roman" charset="0"/>
+                </a:rPr>
+                <a:t>Categories</a:t>
+              </a:r>
+            </a:p>
+          </p:txBody>
+        </p:sp>
+        <p:sp>
+          <p:nvSpPr>
+            <p:cNvPr id="40" name="Text Box 17"/>
+            <p:cNvSpPr txBox="1"/>
+            <p:nvPr/>
+          </p:nvSpPr>
+          <p:spPr>
+            <a:xfrm>
+              <a:off x="3657600" y="1653702"/>
+              <a:ext cx="1018540" cy="914400"/>
+            </a:xfrm>
+            <a:prstGeom prst="rect">
+              <a:avLst/>
+            </a:prstGeom>
+            <a:noFill/>
+            <a:ln>
+              <a:noFill/>
+            </a:ln>
+            <a:effectLst/>
+          </p:spPr>
+          <p:style>
+            <a:lnRef idx="0">
+              <a:schemeClr val="accent1"/>
+            </a:lnRef>
+            <a:fillRef idx="0">
+              <a:schemeClr val="accent1"/>
+            </a:fillRef>
+            <a:effectRef idx="0">
+              <a:schemeClr val="accent1"/>
+            </a:effectRef>
+            <a:fontRef idx="minor">
+              <a:schemeClr val="dk1"/>
+            </a:fontRef>
+          </p:style>
+          <p:txBody>
+            <a:bodyPr rot="0" spcFirstLastPara="0" vert="horz" wrap="none" lIns="91440" tIns="45720" rIns="91440" bIns="45720" numCol="1" spcCol="0" rtlCol="0" fromWordArt="0" anchor="t" anchorCtr="0" forceAA="0" compatLnSpc="1">
+              <a:prstTxWarp prst="textNoShape">
+                <a:avLst/>
+              </a:prstTxWarp>
+              <a:noAutofit/>
+            </a:bodyPr>
+            <a:lstStyle/>
+            <a:p>
+              <a:pPr marL="0" marR="0">
+                <a:spcBef>
+                  <a:spcPts val="0"/>
+                </a:spcBef>
+                <a:spcAft>
+                  <a:spcPts val="0"/>
+                </a:spcAft>
+              </a:pPr>
+              <a:r>
+                <a:rPr lang="en-US" sz="1200">
+                  <a:effectLst/>
+                  <a:ea typeface="Calibri" charset="0"/>
+                  <a:cs typeface="Times New Roman" charset="0"/>
+                </a:rPr>
+                <a:t>Manual Input</a:t>
+              </a:r>
+            </a:p>
+          </p:txBody>
+        </p:sp>
+        <p:cxnSp>
+          <p:nvCxnSpPr>
+            <p:cNvPr id="41" name="Straight Arrow Connector 40"/>
+            <p:cNvCxnSpPr/>
+            <p:nvPr/>
+          </p:nvCxnSpPr>
+          <p:spPr>
+            <a:xfrm flipH="1">
+              <a:off x="3054485" y="2062264"/>
+              <a:ext cx="1177331" cy="1585608"/>
+            </a:xfrm>
+            <a:prstGeom prst="straightConnector1">
+              <a:avLst/>
+            </a:prstGeom>
+            <a:ln>
+              <a:tailEnd type="triangle"/>
+            </a:ln>
+          </p:spPr>
+          <p:style>
+            <a:lnRef idx="1">
+              <a:schemeClr val="accent1"/>
+            </a:lnRef>
+            <a:fillRef idx="0">
+              <a:schemeClr val="accent1"/>
+            </a:fillRef>
+            <a:effectRef idx="0">
+              <a:schemeClr val="accent1"/>
+            </a:effectRef>
+            <a:fontRef idx="minor">
+              <a:schemeClr val="tx1"/>
+            </a:fontRef>
+          </p:style>
+        </p:cxnSp>
+        <p:cxnSp>
+          <p:nvCxnSpPr>
+            <p:cNvPr id="42" name="Straight Arrow Connector 41"/>
+            <p:cNvCxnSpPr/>
+            <p:nvPr/>
+          </p:nvCxnSpPr>
+          <p:spPr>
+            <a:xfrm>
+              <a:off x="437745" y="2071991"/>
+              <a:ext cx="1099226" cy="1585609"/>
+            </a:xfrm>
+            <a:prstGeom prst="straightConnector1">
+              <a:avLst/>
+            </a:prstGeom>
+            <a:ln>
+              <a:tailEnd type="triangle"/>
+            </a:ln>
+          </p:spPr>
+          <p:style>
+            <a:lnRef idx="1">
+              <a:schemeClr val="accent1"/>
+            </a:lnRef>
+            <a:fillRef idx="0">
+              <a:schemeClr val="accent1"/>
+            </a:fillRef>
+            <a:effectRef idx="0">
+              <a:schemeClr val="accent1"/>
+            </a:effectRef>
+            <a:fontRef idx="minor">
+              <a:schemeClr val="tx1"/>
+            </a:fontRef>
+          </p:style>
+        </p:cxnSp>
+        <p:cxnSp>
+          <p:nvCxnSpPr>
+            <p:cNvPr id="43" name="Straight Arrow Connector 42"/>
+            <p:cNvCxnSpPr/>
+            <p:nvPr/>
+          </p:nvCxnSpPr>
+          <p:spPr>
+            <a:xfrm flipH="1">
+              <a:off x="1605064" y="4464996"/>
+              <a:ext cx="258418" cy="573932"/>
+            </a:xfrm>
+            <a:prstGeom prst="straightConnector1">
+              <a:avLst/>
+            </a:prstGeom>
+            <a:ln>
+              <a:tailEnd type="triangle"/>
+            </a:ln>
+          </p:spPr>
+          <p:style>
+            <a:lnRef idx="1">
+              <a:schemeClr val="accent1"/>
+            </a:lnRef>
+            <a:fillRef idx="0">
+              <a:schemeClr val="accent1"/>
+            </a:fillRef>
+            <a:effectRef idx="0">
+              <a:schemeClr val="accent1"/>
+            </a:effectRef>
+            <a:fontRef idx="minor">
+              <a:schemeClr val="tx1"/>
+            </a:fontRef>
+          </p:style>
+        </p:cxnSp>
+        <p:cxnSp>
+          <p:nvCxnSpPr>
+            <p:cNvPr id="44" name="Straight Arrow Connector 43"/>
+            <p:cNvCxnSpPr/>
+            <p:nvPr/>
+          </p:nvCxnSpPr>
+          <p:spPr>
+            <a:xfrm>
+              <a:off x="2714017" y="4464996"/>
+              <a:ext cx="381000" cy="571500"/>
+            </a:xfrm>
+            <a:prstGeom prst="straightConnector1">
+              <a:avLst/>
+            </a:prstGeom>
+            <a:ln>
+              <a:tailEnd type="triangle"/>
+            </a:ln>
+          </p:spPr>
+          <p:style>
+            <a:lnRef idx="1">
+              <a:schemeClr val="accent1"/>
+            </a:lnRef>
+            <a:fillRef idx="0">
+              <a:schemeClr val="accent1"/>
+            </a:fillRef>
+            <a:effectRef idx="0">
+              <a:schemeClr val="accent1"/>
+            </a:effectRef>
+            <a:fontRef idx="minor">
+              <a:schemeClr val="tx1"/>
+            </a:fontRef>
+          </p:style>
+        </p:cxnSp>
+        <p:cxnSp>
+          <p:nvCxnSpPr>
+            <p:cNvPr id="45" name="Straight Arrow Connector 44"/>
+            <p:cNvCxnSpPr/>
+            <p:nvPr/>
+          </p:nvCxnSpPr>
+          <p:spPr>
+            <a:xfrm>
+              <a:off x="2247090" y="1264596"/>
+              <a:ext cx="0" cy="457200"/>
+            </a:xfrm>
+            <a:prstGeom prst="straightConnector1">
+              <a:avLst/>
+            </a:prstGeom>
+            <a:ln>
+              <a:tailEnd type="triangle"/>
+            </a:ln>
+          </p:spPr>
+          <p:style>
+            <a:lnRef idx="1">
+              <a:schemeClr val="accent1"/>
+            </a:lnRef>
+            <a:fillRef idx="0">
+              <a:schemeClr val="accent1"/>
+            </a:fillRef>
+            <a:effectRef idx="0">
+              <a:schemeClr val="accent1"/>
+            </a:effectRef>
+            <a:fontRef idx="minor">
+              <a:schemeClr val="tx1"/>
+            </a:fontRef>
+          </p:style>
+        </p:cxnSp>
+        <p:sp>
+          <p:nvSpPr>
+            <p:cNvPr id="46" name="Text Box 32"/>
+            <p:cNvSpPr txBox="1"/>
+            <p:nvPr/>
+          </p:nvSpPr>
+          <p:spPr>
+            <a:xfrm>
+              <a:off x="729575" y="5145932"/>
+              <a:ext cx="815975" cy="914400"/>
+            </a:xfrm>
+            <a:prstGeom prst="rect">
+              <a:avLst/>
+            </a:prstGeom>
+            <a:noFill/>
+            <a:ln>
+              <a:noFill/>
+            </a:ln>
+            <a:effectLst/>
+          </p:spPr>
+          <p:style>
+            <a:lnRef idx="0">
+              <a:schemeClr val="accent1"/>
+            </a:lnRef>
+            <a:fillRef idx="0">
+              <a:schemeClr val="accent1"/>
+            </a:fillRef>
+            <a:effectRef idx="0">
+              <a:schemeClr val="accent1"/>
+            </a:effectRef>
+            <a:fontRef idx="minor">
+              <a:schemeClr val="dk1"/>
+            </a:fontRef>
+          </p:style>
+          <p:txBody>
+            <a:bodyPr rot="0" spcFirstLastPara="0" vert="horz" wrap="none" lIns="91440" tIns="45720" rIns="91440" bIns="45720" numCol="1" spcCol="0" rtlCol="0" fromWordArt="0" anchor="t" anchorCtr="0" forceAA="0" compatLnSpc="1">
+              <a:prstTxWarp prst="textNoShape">
+                <a:avLst/>
+              </a:prstTxWarp>
+              <a:noAutofit/>
+            </a:bodyPr>
+            <a:lstStyle/>
+            <a:p>
+              <a:pPr marL="0" marR="0">
+                <a:spcBef>
+                  <a:spcPts val="0"/>
+                </a:spcBef>
+                <a:spcAft>
+                  <a:spcPts val="0"/>
+                </a:spcAft>
+              </a:pPr>
+              <a:r>
+                <a:rPr lang="en-US" sz="1200">
+                  <a:effectLst/>
+                  <a:ea typeface="Calibri" charset="0"/>
+                  <a:cs typeface="Times New Roman" charset="0"/>
+                </a:rPr>
+                <a:t>Non-GMO</a:t>
+              </a:r>
+            </a:p>
+          </p:txBody>
+        </p:sp>
+        <p:sp>
+          <p:nvSpPr>
+            <p:cNvPr id="47" name="Text Box 34"/>
+            <p:cNvSpPr txBox="1"/>
+            <p:nvPr/>
+          </p:nvSpPr>
+          <p:spPr>
+            <a:xfrm>
+              <a:off x="3404681" y="5252936"/>
+              <a:ext cx="510540" cy="345440"/>
+            </a:xfrm>
+            <a:prstGeom prst="rect">
+              <a:avLst/>
+            </a:prstGeom>
+            <a:noFill/>
+            <a:ln>
+              <a:noFill/>
+            </a:ln>
+            <a:effectLst/>
+          </p:spPr>
+          <p:style>
+            <a:lnRef idx="0">
+              <a:schemeClr val="accent1"/>
+            </a:lnRef>
+            <a:fillRef idx="0">
+              <a:schemeClr val="accent1"/>
+            </a:fillRef>
+            <a:effectRef idx="0">
+              <a:schemeClr val="accent1"/>
+            </a:effectRef>
+            <a:fontRef idx="minor">
+              <a:schemeClr val="dk1"/>
+            </a:fontRef>
+          </p:style>
+          <p:txBody>
+            <a:bodyPr rot="0" spcFirstLastPara="0" vert="horz" wrap="none" lIns="91440" tIns="45720" rIns="91440" bIns="45720" numCol="1" spcCol="0" rtlCol="0" fromWordArt="0" anchor="t" anchorCtr="0" forceAA="0" compatLnSpc="1">
+              <a:prstTxWarp prst="textNoShape">
+                <a:avLst/>
+              </a:prstTxWarp>
+              <a:noAutofit/>
+            </a:bodyPr>
+            <a:lstStyle/>
+            <a:p>
+              <a:pPr marL="0" marR="0">
+                <a:spcBef>
+                  <a:spcPts val="0"/>
+                </a:spcBef>
+                <a:spcAft>
+                  <a:spcPts val="0"/>
+                </a:spcAft>
+              </a:pPr>
+              <a:r>
+                <a:rPr lang="en-US" sz="1200">
+                  <a:effectLst/>
+                  <a:ea typeface="Calibri" charset="0"/>
+                  <a:cs typeface="Times New Roman" charset="0"/>
+                </a:rPr>
+                <a:t>GMO</a:t>
+              </a:r>
+            </a:p>
+          </p:txBody>
+        </p:sp>
+        <p:pic>
+          <p:nvPicPr>
+            <p:cNvPr id="48" name="Picture 47"/>
+            <p:cNvPicPr>
+              <a:picLocks noChangeAspect="1"/>
+            </p:cNvPicPr>
+            <p:nvPr/>
+          </p:nvPicPr>
+          <p:blipFill>
+            <a:blip r:embed="rId5" cstate="print">
+              <a:extLst>
+                <a:ext uri="{28A0092B-C50C-407E-A947-70E740481C1C}">
+                  <a14:useLocalDpi xmlns:a14="http://schemas.microsoft.com/office/drawing/2010/main" val="0"/>
+                </a:ext>
+              </a:extLst>
+            </a:blip>
+            <a:stretch>
+              <a:fillRect/>
+            </a:stretch>
+          </p:blipFill>
+          <p:spPr>
+            <a:xfrm>
+              <a:off x="1031132" y="4970834"/>
+              <a:ext cx="925195" cy="963930"/>
+            </a:xfrm>
+            <a:prstGeom prst="rect">
+              <a:avLst/>
+            </a:prstGeom>
+          </p:spPr>
+        </p:pic>
+        <p:pic>
+          <p:nvPicPr>
+            <p:cNvPr id="49" name="Picture 48"/>
+            <p:cNvPicPr>
+              <a:picLocks noChangeAspect="1"/>
+            </p:cNvPicPr>
+            <p:nvPr/>
+          </p:nvPicPr>
+          <p:blipFill>
+            <a:blip r:embed="rId6">
+              <a:extLst>
+                <a:ext uri="{28A0092B-C50C-407E-A947-70E740481C1C}">
+                  <a14:useLocalDpi xmlns:a14="http://schemas.microsoft.com/office/drawing/2010/main" val="0"/>
+                </a:ext>
+              </a:extLst>
+            </a:blip>
+            <a:stretch>
+              <a:fillRect/>
+            </a:stretch>
+          </p:blipFill>
+          <p:spPr>
+            <a:xfrm>
+              <a:off x="2645924" y="5019472"/>
+              <a:ext cx="916940" cy="916940"/>
+            </a:xfrm>
+            <a:prstGeom prst="rect">
+              <a:avLst/>
+            </a:prstGeom>
+          </p:spPr>
+        </p:pic>
+      </p:grpSp>
     </p:spTree>
     <p:extLst>
       <p:ext uri="{BB962C8B-B14F-4D97-AF65-F5344CB8AC3E}">
